--- a/elegiggle.pptx
+++ b/elegiggle.pptx
@@ -10,7 +10,8 @@
     <p:sldId id="257" r:id="rId4"/>
     <p:sldId id="258" r:id="rId5"/>
     <p:sldId id="260" r:id="rId6"/>
-    <p:sldId id="261" r:id="rId7"/>
+    <p:sldId id="262" r:id="rId7"/>
+    <p:sldId id="261" r:id="rId8"/>
   </p:sldIdLst>
   <p:sldSz cx="12192000" cy="6858000"/>
   <p:notesSz cx="6858000" cy="9144000"/>
@@ -121,6 +122,7 @@
 <p1510:revInfo xmlns:a="http://schemas.openxmlformats.org/drawingml/2006/main" xmlns:r="http://schemas.openxmlformats.org/officeDocument/2006/relationships" xmlns:p1510="http://schemas.microsoft.com/office/powerpoint/2015/10/main">
   <p1510:revLst>
     <p1510:client id="{596181E9-A735-4EEA-BB3F-77B4AD6BA116}" v="1479" dt="2021-02-20T10:51:26.585"/>
+    <p1510:client id="{BC702D60-E212-443A-AF9D-84914A4E466E}" v="361" dt="2021-02-20T11:02:57.089"/>
   </p1510:revLst>
 </p1510:revInfo>
 </file>
@@ -4053,6 +4055,207 @@
           <p:cNvPr id="2" name="Title 1">
             <a:extLst>
               <a:ext uri="{FF2B5EF4-FFF2-40B4-BE49-F238E27FC236}">
+                <a16:creationId xmlns:a16="http://schemas.microsoft.com/office/drawing/2014/main" id="{844AF15A-832A-4ADE-B551-A2A99ACB9FAF}"/>
+              </a:ext>
+            </a:extLst>
+          </p:cNvPr>
+          <p:cNvSpPr>
+            <a:spLocks noGrp="1"/>
+          </p:cNvSpPr>
+          <p:nvPr>
+            <p:ph type="title"/>
+          </p:nvPr>
+        </p:nvSpPr>
+        <p:spPr/>
+        <p:txBody>
+          <a:bodyPr/>
+          <a:lstStyle/>
+          <a:p>
+            <a:pPr algn="ctr"/>
+            <a:r>
+              <a:rPr lang="en-US" dirty="0" err="1"/>
+              <a:t>Возможные</a:t>
+            </a:r>
+            <a:r>
+              <a:rPr lang="en-US" dirty="0"/>
+              <a:t> </a:t>
+            </a:r>
+            <a:r>
+              <a:rPr lang="en-US" dirty="0" err="1"/>
+              <a:t>расширения</a:t>
+            </a:r>
+          </a:p>
+        </p:txBody>
+      </p:sp>
+      <p:sp>
+        <p:nvSpPr>
+          <p:cNvPr id="3" name="Content Placeholder 2">
+            <a:extLst>
+              <a:ext uri="{FF2B5EF4-FFF2-40B4-BE49-F238E27FC236}">
+                <a16:creationId xmlns:a16="http://schemas.microsoft.com/office/drawing/2014/main" id="{61C28E1E-A39A-4407-9F11-5F109AE766B2}"/>
+              </a:ext>
+            </a:extLst>
+          </p:cNvPr>
+          <p:cNvSpPr>
+            <a:spLocks noGrp="1"/>
+          </p:cNvSpPr>
+          <p:nvPr>
+            <p:ph idx="1"/>
+          </p:nvPr>
+        </p:nvSpPr>
+        <p:spPr/>
+        <p:txBody>
+          <a:bodyPr vert="horz" lIns="91440" tIns="45720" rIns="91440" bIns="45720" rtlCol="0" anchor="t">
+            <a:normAutofit/>
+          </a:bodyPr>
+          <a:lstStyle/>
+          <a:p>
+            <a:r>
+              <a:rPr lang="en-US" dirty="0" err="1"/>
+              <a:t>Звуковое</a:t>
+            </a:r>
+            <a:r>
+              <a:rPr lang="en-US" dirty="0"/>
+              <a:t> </a:t>
+            </a:r>
+            <a:r>
+              <a:rPr lang="en-US" dirty="0" err="1"/>
+              <a:t>сопровождение</a:t>
+            </a:r>
+            <a:r>
+              <a:rPr lang="en-US" dirty="0"/>
+              <a:t> (</a:t>
+            </a:r>
+            <a:r>
+              <a:rPr lang="en-US" dirty="0" err="1"/>
+              <a:t>звуковые</a:t>
+            </a:r>
+            <a:r>
+              <a:rPr lang="en-US" dirty="0"/>
+              <a:t> </a:t>
+            </a:r>
+            <a:r>
+              <a:rPr lang="en-US" dirty="0" err="1"/>
+              <a:t>эффекты</a:t>
+            </a:r>
+            <a:r>
+              <a:rPr lang="en-US" dirty="0"/>
+              <a:t>, </a:t>
+            </a:r>
+            <a:r>
+              <a:rPr lang="en-US" dirty="0" err="1"/>
+              <a:t>музыкальная</a:t>
+            </a:r>
+            <a:r>
+              <a:rPr lang="en-US" dirty="0"/>
+              <a:t> </a:t>
+            </a:r>
+            <a:r>
+              <a:rPr lang="en-US" dirty="0" err="1"/>
+              <a:t>тема</a:t>
+            </a:r>
+            <a:r>
+              <a:rPr lang="en-US" dirty="0"/>
+              <a:t>)</a:t>
+            </a:r>
+          </a:p>
+          <a:p>
+            <a:r>
+              <a:rPr lang="en-US" dirty="0" err="1"/>
+              <a:t>Дополнительные</a:t>
+            </a:r>
+            <a:r>
+              <a:rPr lang="en-US" dirty="0"/>
+              <a:t> </a:t>
+            </a:r>
+            <a:r>
+              <a:rPr lang="en-US" dirty="0" err="1"/>
+              <a:t>уровни</a:t>
+            </a:r>
+            <a:r>
+              <a:rPr lang="en-US" dirty="0"/>
+              <a:t>, </a:t>
+            </a:r>
+            <a:r>
+              <a:rPr lang="en-US" dirty="0" err="1"/>
+              <a:t>игровые</a:t>
+            </a:r>
+            <a:r>
+              <a:rPr lang="en-US" dirty="0"/>
+              <a:t> </a:t>
+            </a:r>
+            <a:r>
+              <a:rPr lang="en-US" dirty="0" err="1"/>
+              <a:t>механики</a:t>
+            </a:r>
+          </a:p>
+          <a:p>
+            <a:r>
+              <a:rPr lang="en-US" dirty="0" err="1"/>
+              <a:t>Масштабирование</a:t>
+            </a:r>
+            <a:r>
+              <a:rPr lang="en-US" dirty="0"/>
+              <a:t> </a:t>
+            </a:r>
+            <a:r>
+              <a:rPr lang="en-US" dirty="0" err="1"/>
+              <a:t>объектов</a:t>
+            </a:r>
+            <a:r>
+              <a:rPr lang="en-US" dirty="0"/>
+              <a:t>, </a:t>
+            </a:r>
+            <a:r>
+              <a:rPr lang="en-US" dirty="0" err="1"/>
+              <a:t>полноэкранный</a:t>
+            </a:r>
+            <a:r>
+              <a:rPr lang="en-US" dirty="0"/>
+              <a:t> </a:t>
+            </a:r>
+            <a:r>
+              <a:rPr lang="en-US" dirty="0" err="1"/>
+              <a:t>режим</a:t>
+            </a:r>
+          </a:p>
+        </p:txBody>
+      </p:sp>
+    </p:spTree>
+    <p:extLst>
+      <p:ext uri="{BB962C8B-B14F-4D97-AF65-F5344CB8AC3E}">
+        <p14:creationId xmlns:p14="http://schemas.microsoft.com/office/powerpoint/2010/main" val="31696126"/>
+      </p:ext>
+    </p:extLst>
+  </p:cSld>
+  <p:clrMapOvr>
+    <a:masterClrMapping/>
+  </p:clrMapOvr>
+</p:sld>
+</file>
+
+<file path=ppt/slides/slide7.xml><?xml version="1.0" encoding="utf-8"?>
+<p:sld xmlns:a="http://schemas.openxmlformats.org/drawingml/2006/main" xmlns:r="http://schemas.openxmlformats.org/officeDocument/2006/relationships" xmlns:p="http://schemas.openxmlformats.org/presentationml/2006/main">
+  <p:cSld>
+    <p:spTree>
+      <p:nvGrpSpPr>
+        <p:cNvPr id="1" name=""/>
+        <p:cNvGrpSpPr/>
+        <p:nvPr/>
+      </p:nvGrpSpPr>
+      <p:grpSpPr>
+        <a:xfrm>
+          <a:off x="0" y="0"/>
+          <a:ext cx="0" cy="0"/>
+          <a:chOff x="0" y="0"/>
+          <a:chExt cx="0" cy="0"/>
+        </a:xfrm>
+      </p:grpSpPr>
+      <p:sp>
+        <p:nvSpPr>
+          <p:cNvPr id="2" name="Title 1">
+            <a:extLst>
+              <a:ext uri="{FF2B5EF4-FFF2-40B4-BE49-F238E27FC236}">
                 <a16:creationId xmlns:a16="http://schemas.microsoft.com/office/drawing/2014/main" id="{6CD40074-8FB9-4C74-8320-E075FBA162A3}"/>
               </a:ext>
             </a:extLst>
